--- a/template/figures/chpt4/演示文稿1.pptx
+++ b/template/figures/chpt4/演示文稿1.pptx
@@ -201,7 +201,7 @@
           <a:p>
             <a:fld id="{BDC23B11-317D-4E3D-AE26-D4B5EE0687F8}" type="datetimeFigureOut">
               <a:rPr lang="zh-CN" altLang="en-US" smtClean="0"/>
-              <a:t>2016/4/22</a:t>
+              <a:t>2016/5/7</a:t>
             </a:fld>
             <a:endParaRPr lang="zh-CN" altLang="en-US"/>
           </a:p>
@@ -805,6 +805,90 @@
 </p:notes>
 </file>
 
+<file path=ppt/notesSlides/notesSlide5.xml><?xml version="1.0" encoding="utf-8"?>
+<p:notes xmlns:a="http://schemas.openxmlformats.org/drawingml/2006/main" xmlns:r="http://schemas.openxmlformats.org/officeDocument/2006/relationships" xmlns:p="http://schemas.openxmlformats.org/presentationml/2006/main">
+  <p:cSld>
+    <p:spTree>
+      <p:nvGrpSpPr>
+        <p:cNvPr id="1" name=""/>
+        <p:cNvGrpSpPr/>
+        <p:nvPr/>
+      </p:nvGrpSpPr>
+      <p:grpSpPr>
+        <a:xfrm>
+          <a:off x="0" y="0"/>
+          <a:ext cx="0" cy="0"/>
+          <a:chOff x="0" y="0"/>
+          <a:chExt cx="0" cy="0"/>
+        </a:xfrm>
+      </p:grpSpPr>
+      <p:sp>
+        <p:nvSpPr>
+          <p:cNvPr id="2" name="幻灯片图像占位符 1"/>
+          <p:cNvSpPr>
+            <a:spLocks noGrp="1" noRot="1" noChangeAspect="1"/>
+          </p:cNvSpPr>
+          <p:nvPr>
+            <p:ph type="sldImg"/>
+          </p:nvPr>
+        </p:nvSpPr>
+        <p:spPr/>
+      </p:sp>
+      <p:sp>
+        <p:nvSpPr>
+          <p:cNvPr id="3" name="备注占位符 2"/>
+          <p:cNvSpPr>
+            <a:spLocks noGrp="1"/>
+          </p:cNvSpPr>
+          <p:nvPr>
+            <p:ph type="body" idx="1"/>
+          </p:nvPr>
+        </p:nvSpPr>
+        <p:spPr/>
+        <p:txBody>
+          <a:bodyPr/>
+          <a:lstStyle/>
+          <a:p>
+            <a:endParaRPr lang="zh-CN" altLang="en-US"/>
+          </a:p>
+        </p:txBody>
+      </p:sp>
+      <p:sp>
+        <p:nvSpPr>
+          <p:cNvPr id="4" name="灯片编号占位符 3"/>
+          <p:cNvSpPr>
+            <a:spLocks noGrp="1"/>
+          </p:cNvSpPr>
+          <p:nvPr>
+            <p:ph type="sldNum" sz="quarter" idx="10"/>
+          </p:nvPr>
+        </p:nvSpPr>
+        <p:spPr/>
+        <p:txBody>
+          <a:bodyPr/>
+          <a:lstStyle/>
+          <a:p>
+            <a:fld id="{4120C5AD-FC4E-4269-BD07-DA1348E8BB2C}" type="slidenum">
+              <a:rPr lang="zh-CN" altLang="en-US" smtClean="0"/>
+              <a:t>5</a:t>
+            </a:fld>
+            <a:endParaRPr lang="zh-CN" altLang="en-US"/>
+          </a:p>
+        </p:txBody>
+      </p:sp>
+    </p:spTree>
+    <p:extLst>
+      <p:ext uri="{BB962C8B-B14F-4D97-AF65-F5344CB8AC3E}">
+        <p14:creationId xmlns:p14="http://schemas.microsoft.com/office/powerpoint/2010/main" val="1643459957"/>
+      </p:ext>
+    </p:extLst>
+  </p:cSld>
+  <p:clrMapOvr>
+    <a:masterClrMapping/>
+  </p:clrMapOvr>
+</p:notes>
+</file>
+
 <file path=ppt/slideLayouts/slideLayout1.xml><?xml version="1.0" encoding="utf-8"?>
 <p:sldLayout xmlns:a="http://schemas.openxmlformats.org/drawingml/2006/main" xmlns:r="http://schemas.openxmlformats.org/officeDocument/2006/relationships" xmlns:p="http://schemas.openxmlformats.org/presentationml/2006/main" type="title" preserve="1">
   <p:cSld name="标题幻灯片">
@@ -936,7 +1020,7 @@
           <a:p>
             <a:fld id="{C519C85F-9736-4CF2-AA4F-AEC232325DA8}" type="datetimeFigureOut">
               <a:rPr lang="zh-CN" altLang="en-US" smtClean="0"/>
-              <a:t>2016/4/22</a:t>
+              <a:t>2016/5/7</a:t>
             </a:fld>
             <a:endParaRPr lang="zh-CN" altLang="en-US"/>
           </a:p>
@@ -1106,7 +1190,7 @@
           <a:p>
             <a:fld id="{C519C85F-9736-4CF2-AA4F-AEC232325DA8}" type="datetimeFigureOut">
               <a:rPr lang="zh-CN" altLang="en-US" smtClean="0"/>
-              <a:t>2016/4/22</a:t>
+              <a:t>2016/5/7</a:t>
             </a:fld>
             <a:endParaRPr lang="zh-CN" altLang="en-US"/>
           </a:p>
@@ -1286,7 +1370,7 @@
           <a:p>
             <a:fld id="{C519C85F-9736-4CF2-AA4F-AEC232325DA8}" type="datetimeFigureOut">
               <a:rPr lang="zh-CN" altLang="en-US" smtClean="0"/>
-              <a:t>2016/4/22</a:t>
+              <a:t>2016/5/7</a:t>
             </a:fld>
             <a:endParaRPr lang="zh-CN" altLang="en-US"/>
           </a:p>
@@ -1456,7 +1540,7 @@
           <a:p>
             <a:fld id="{C519C85F-9736-4CF2-AA4F-AEC232325DA8}" type="datetimeFigureOut">
               <a:rPr lang="zh-CN" altLang="en-US" smtClean="0"/>
-              <a:t>2016/4/22</a:t>
+              <a:t>2016/5/7</a:t>
             </a:fld>
             <a:endParaRPr lang="zh-CN" altLang="en-US"/>
           </a:p>
@@ -1702,7 +1786,7 @@
           <a:p>
             <a:fld id="{C519C85F-9736-4CF2-AA4F-AEC232325DA8}" type="datetimeFigureOut">
               <a:rPr lang="zh-CN" altLang="en-US" smtClean="0"/>
-              <a:t>2016/4/22</a:t>
+              <a:t>2016/5/7</a:t>
             </a:fld>
             <a:endParaRPr lang="zh-CN" altLang="en-US"/>
           </a:p>
@@ -1934,7 +2018,7 @@
           <a:p>
             <a:fld id="{C519C85F-9736-4CF2-AA4F-AEC232325DA8}" type="datetimeFigureOut">
               <a:rPr lang="zh-CN" altLang="en-US" smtClean="0"/>
-              <a:t>2016/4/22</a:t>
+              <a:t>2016/5/7</a:t>
             </a:fld>
             <a:endParaRPr lang="zh-CN" altLang="en-US"/>
           </a:p>
@@ -2301,7 +2385,7 @@
           <a:p>
             <a:fld id="{C519C85F-9736-4CF2-AA4F-AEC232325DA8}" type="datetimeFigureOut">
               <a:rPr lang="zh-CN" altLang="en-US" smtClean="0"/>
-              <a:t>2016/4/22</a:t>
+              <a:t>2016/5/7</a:t>
             </a:fld>
             <a:endParaRPr lang="zh-CN" altLang="en-US"/>
           </a:p>
@@ -2419,7 +2503,7 @@
           <a:p>
             <a:fld id="{C519C85F-9736-4CF2-AA4F-AEC232325DA8}" type="datetimeFigureOut">
               <a:rPr lang="zh-CN" altLang="en-US" smtClean="0"/>
-              <a:t>2016/4/22</a:t>
+              <a:t>2016/5/7</a:t>
             </a:fld>
             <a:endParaRPr lang="zh-CN" altLang="en-US"/>
           </a:p>
@@ -2514,7 +2598,7 @@
           <a:p>
             <a:fld id="{C519C85F-9736-4CF2-AA4F-AEC232325DA8}" type="datetimeFigureOut">
               <a:rPr lang="zh-CN" altLang="en-US" smtClean="0"/>
-              <a:t>2016/4/22</a:t>
+              <a:t>2016/5/7</a:t>
             </a:fld>
             <a:endParaRPr lang="zh-CN" altLang="en-US"/>
           </a:p>
@@ -2791,7 +2875,7 @@
           <a:p>
             <a:fld id="{C519C85F-9736-4CF2-AA4F-AEC232325DA8}" type="datetimeFigureOut">
               <a:rPr lang="zh-CN" altLang="en-US" smtClean="0"/>
-              <a:t>2016/4/22</a:t>
+              <a:t>2016/5/7</a:t>
             </a:fld>
             <a:endParaRPr lang="zh-CN" altLang="en-US"/>
           </a:p>
@@ -3044,7 +3128,7 @@
           <a:p>
             <a:fld id="{C519C85F-9736-4CF2-AA4F-AEC232325DA8}" type="datetimeFigureOut">
               <a:rPr lang="zh-CN" altLang="en-US" smtClean="0"/>
-              <a:t>2016/4/22</a:t>
+              <a:t>2016/5/7</a:t>
             </a:fld>
             <a:endParaRPr lang="zh-CN" altLang="en-US"/>
           </a:p>
@@ -3257,7 +3341,7 @@
           <a:p>
             <a:fld id="{C519C85F-9736-4CF2-AA4F-AEC232325DA8}" type="datetimeFigureOut">
               <a:rPr lang="zh-CN" altLang="en-US" smtClean="0"/>
-              <a:t>2016/4/22</a:t>
+              <a:t>2016/5/7</a:t>
             </a:fld>
             <a:endParaRPr lang="zh-CN" altLang="en-US"/>
           </a:p>
@@ -17442,18 +17526,16 @@
         </p:spPr>
         <p:style>
           <a:lnRef idx="2">
-            <a:schemeClr val="accent1">
-              <a:shade val="50000"/>
-            </a:schemeClr>
+            <a:schemeClr val="dk1"/>
           </a:lnRef>
           <a:fillRef idx="1">
-            <a:schemeClr val="accent1"/>
+            <a:schemeClr val="lt1"/>
           </a:fillRef>
           <a:effectRef idx="0">
-            <a:schemeClr val="accent1"/>
+            <a:schemeClr val="dk1"/>
           </a:effectRef>
           <a:fontRef idx="minor">
-            <a:schemeClr val="lt1"/>
+            <a:schemeClr val="dk1"/>
           </a:fontRef>
         </p:style>
         <p:txBody>
@@ -17463,6 +17545,10 @@
             <a:pPr algn="ctr"/>
             <a:r>
               <a:rPr lang="zh-CN" altLang="en-US" sz="1600" dirty="0">
+                <a:ln w="0"/>
+                <a:solidFill>
+                  <a:schemeClr val="tx1"/>
+                </a:solidFill>
                 <a:latin typeface="华文仿宋" panose="02010600040101010101" pitchFamily="2" charset="-122"/>
                 <a:ea typeface="华文仿宋" panose="02010600040101010101" pitchFamily="2" charset="-122"/>
               </a:rPr>
@@ -17488,18 +17574,16 @@
         </p:spPr>
         <p:style>
           <a:lnRef idx="2">
-            <a:schemeClr val="accent1">
-              <a:shade val="50000"/>
-            </a:schemeClr>
+            <a:schemeClr val="dk1"/>
           </a:lnRef>
           <a:fillRef idx="1">
-            <a:schemeClr val="accent1"/>
+            <a:schemeClr val="lt1"/>
           </a:fillRef>
           <a:effectRef idx="0">
-            <a:schemeClr val="accent1"/>
+            <a:schemeClr val="dk1"/>
           </a:effectRef>
           <a:fontRef idx="minor">
-            <a:schemeClr val="lt1"/>
+            <a:schemeClr val="dk1"/>
           </a:fontRef>
         </p:style>
         <p:txBody>
@@ -17509,6 +17593,10 @@
             <a:pPr algn="ctr"/>
             <a:r>
               <a:rPr lang="zh-CN" altLang="en-US" sz="1600" dirty="0">
+                <a:ln w="0"/>
+                <a:solidFill>
+                  <a:schemeClr val="tx1"/>
+                </a:solidFill>
                 <a:latin typeface="华文仿宋" panose="02010600040101010101" pitchFamily="2" charset="-122"/>
                 <a:ea typeface="华文仿宋" panose="02010600040101010101" pitchFamily="2" charset="-122"/>
               </a:rPr>
@@ -17534,18 +17622,16 @@
         </p:spPr>
         <p:style>
           <a:lnRef idx="2">
-            <a:schemeClr val="accent1">
-              <a:shade val="50000"/>
-            </a:schemeClr>
+            <a:schemeClr val="dk1"/>
           </a:lnRef>
           <a:fillRef idx="1">
-            <a:schemeClr val="accent1"/>
+            <a:schemeClr val="lt1"/>
           </a:fillRef>
           <a:effectRef idx="0">
-            <a:schemeClr val="accent1"/>
+            <a:schemeClr val="dk1"/>
           </a:effectRef>
           <a:fontRef idx="minor">
-            <a:schemeClr val="lt1"/>
+            <a:schemeClr val="dk1"/>
           </a:fontRef>
         </p:style>
         <p:txBody>
@@ -17555,6 +17641,10 @@
             <a:pPr algn="ctr"/>
             <a:r>
               <a:rPr lang="zh-CN" altLang="en-US" sz="1600" dirty="0">
+                <a:ln w="0"/>
+                <a:solidFill>
+                  <a:schemeClr val="tx1"/>
+                </a:solidFill>
                 <a:latin typeface="华文仿宋" panose="02010600040101010101" pitchFamily="2" charset="-122"/>
                 <a:ea typeface="华文仿宋" panose="02010600040101010101" pitchFamily="2" charset="-122"/>
               </a:rPr>
@@ -17580,18 +17670,16 @@
         </p:spPr>
         <p:style>
           <a:lnRef idx="2">
-            <a:schemeClr val="accent1">
-              <a:shade val="50000"/>
-            </a:schemeClr>
+            <a:schemeClr val="dk1"/>
           </a:lnRef>
           <a:fillRef idx="1">
-            <a:schemeClr val="accent1"/>
+            <a:schemeClr val="lt1"/>
           </a:fillRef>
           <a:effectRef idx="0">
-            <a:schemeClr val="accent1"/>
+            <a:schemeClr val="dk1"/>
           </a:effectRef>
           <a:fontRef idx="minor">
-            <a:schemeClr val="lt1"/>
+            <a:schemeClr val="dk1"/>
           </a:fontRef>
         </p:style>
         <p:txBody>
@@ -17601,6 +17689,10 @@
             <a:pPr algn="ctr"/>
             <a:r>
               <a:rPr lang="zh-CN" altLang="en-US" sz="1600" dirty="0">
+                <a:ln w="0"/>
+                <a:solidFill>
+                  <a:schemeClr val="tx1"/>
+                </a:solidFill>
                 <a:latin typeface="华文仿宋" panose="02010600040101010101" pitchFamily="2" charset="-122"/>
                 <a:ea typeface="华文仿宋" panose="02010600040101010101" pitchFamily="2" charset="-122"/>
               </a:rPr>
@@ -17626,18 +17718,16 @@
         </p:spPr>
         <p:style>
           <a:lnRef idx="2">
-            <a:schemeClr val="accent1">
-              <a:shade val="50000"/>
-            </a:schemeClr>
+            <a:schemeClr val="dk1"/>
           </a:lnRef>
           <a:fillRef idx="1">
-            <a:schemeClr val="accent1"/>
+            <a:schemeClr val="lt1"/>
           </a:fillRef>
           <a:effectRef idx="0">
-            <a:schemeClr val="accent1"/>
+            <a:schemeClr val="dk1"/>
           </a:effectRef>
           <a:fontRef idx="minor">
-            <a:schemeClr val="lt1"/>
+            <a:schemeClr val="dk1"/>
           </a:fontRef>
         </p:style>
         <p:txBody>
@@ -17647,6 +17737,10 @@
             <a:pPr algn="ctr"/>
             <a:r>
               <a:rPr lang="zh-CN" altLang="en-US" sz="1600" dirty="0">
+                <a:ln w="0"/>
+                <a:solidFill>
+                  <a:schemeClr val="tx1"/>
+                </a:solidFill>
                 <a:latin typeface="华文仿宋" panose="02010600040101010101" pitchFamily="2" charset="-122"/>
                 <a:ea typeface="华文仿宋" panose="02010600040101010101" pitchFamily="2" charset="-122"/>
               </a:rPr>
@@ -17672,18 +17766,16 @@
         </p:spPr>
         <p:style>
           <a:lnRef idx="2">
-            <a:schemeClr val="accent1">
-              <a:shade val="50000"/>
-            </a:schemeClr>
+            <a:schemeClr val="dk1"/>
           </a:lnRef>
           <a:fillRef idx="1">
-            <a:schemeClr val="accent1"/>
+            <a:schemeClr val="lt1"/>
           </a:fillRef>
           <a:effectRef idx="0">
-            <a:schemeClr val="accent1"/>
+            <a:schemeClr val="dk1"/>
           </a:effectRef>
           <a:fontRef idx="minor">
-            <a:schemeClr val="lt1"/>
+            <a:schemeClr val="dk1"/>
           </a:fontRef>
         </p:style>
         <p:txBody>
@@ -17693,6 +17785,10 @@
             <a:pPr algn="ctr"/>
             <a:r>
               <a:rPr lang="zh-CN" altLang="en-US" sz="1600" dirty="0">
+                <a:ln w="0"/>
+                <a:solidFill>
+                  <a:schemeClr val="tx1"/>
+                </a:solidFill>
                 <a:latin typeface="华文仿宋" panose="02010600040101010101" pitchFamily="2" charset="-122"/>
                 <a:ea typeface="华文仿宋" panose="02010600040101010101" pitchFamily="2" charset="-122"/>
               </a:rPr>
@@ -17700,12 +17796,20 @@
             </a:r>
             <a:r>
               <a:rPr lang="zh-CN" altLang="en-US" sz="1600" dirty="0" smtClean="0">
+                <a:ln w="0"/>
+                <a:solidFill>
+                  <a:schemeClr val="tx1"/>
+                </a:solidFill>
                 <a:latin typeface="华文仿宋" panose="02010600040101010101" pitchFamily="2" charset="-122"/>
                 <a:ea typeface="华文仿宋" panose="02010600040101010101" pitchFamily="2" charset="-122"/>
               </a:rPr>
               <a:t>点</a:t>
             </a:r>
             <a:endParaRPr lang="zh-CN" altLang="en-US" sz="1600" dirty="0">
+              <a:ln w="0"/>
+              <a:solidFill>
+                <a:schemeClr val="tx1"/>
+              </a:solidFill>
               <a:latin typeface="华文仿宋" panose="02010600040101010101" pitchFamily="2" charset="-122"/>
               <a:ea typeface="华文仿宋" panose="02010600040101010101" pitchFamily="2" charset="-122"/>
             </a:endParaRPr>
@@ -17729,18 +17833,16 @@
         </p:spPr>
         <p:style>
           <a:lnRef idx="2">
-            <a:schemeClr val="accent1">
-              <a:shade val="50000"/>
-            </a:schemeClr>
+            <a:schemeClr val="dk1"/>
           </a:lnRef>
           <a:fillRef idx="1">
-            <a:schemeClr val="accent1"/>
+            <a:schemeClr val="lt1"/>
           </a:fillRef>
           <a:effectRef idx="0">
-            <a:schemeClr val="accent1"/>
+            <a:schemeClr val="dk1"/>
           </a:effectRef>
           <a:fontRef idx="minor">
-            <a:schemeClr val="lt1"/>
+            <a:schemeClr val="dk1"/>
           </a:fontRef>
         </p:style>
         <p:txBody>
@@ -17750,12 +17852,20 @@
             <a:pPr algn="ctr"/>
             <a:r>
               <a:rPr lang="zh-CN" altLang="en-US" sz="1600">
+                <a:ln w="0"/>
+                <a:solidFill>
+                  <a:schemeClr val="tx1"/>
+                </a:solidFill>
                 <a:latin typeface="华文仿宋" panose="02010600040101010101" pitchFamily="2" charset="-122"/>
                 <a:ea typeface="华文仿宋" panose="02010600040101010101" pitchFamily="2" charset="-122"/>
               </a:rPr>
               <a:t>移动最小二乘</a:t>
             </a:r>
             <a:endParaRPr lang="zh-CN" altLang="en-US" sz="1600" dirty="0">
+              <a:ln w="0"/>
+              <a:solidFill>
+                <a:schemeClr val="tx1"/>
+              </a:solidFill>
               <a:latin typeface="华文仿宋" panose="02010600040101010101" pitchFamily="2" charset="-122"/>
               <a:ea typeface="华文仿宋" panose="02010600040101010101" pitchFamily="2" charset="-122"/>
             </a:endParaRPr>
@@ -17779,18 +17889,16 @@
         </p:spPr>
         <p:style>
           <a:lnRef idx="2">
-            <a:schemeClr val="accent1">
-              <a:shade val="50000"/>
-            </a:schemeClr>
+            <a:schemeClr val="dk1"/>
           </a:lnRef>
           <a:fillRef idx="1">
-            <a:schemeClr val="accent1"/>
+            <a:schemeClr val="lt1"/>
           </a:fillRef>
           <a:effectRef idx="0">
-            <a:schemeClr val="accent1"/>
+            <a:schemeClr val="dk1"/>
           </a:effectRef>
           <a:fontRef idx="minor">
-            <a:schemeClr val="lt1"/>
+            <a:schemeClr val="dk1"/>
           </a:fontRef>
         </p:style>
         <p:txBody>
@@ -17800,12 +17908,20 @@
             <a:pPr algn="ctr"/>
             <a:r>
               <a:rPr lang="zh-CN" altLang="en-US" sz="1600" dirty="0" smtClean="0">
+                <a:ln w="0"/>
+                <a:solidFill>
+                  <a:schemeClr val="tx1"/>
+                </a:solidFill>
                 <a:latin typeface="华文仿宋" panose="02010600040101010101" pitchFamily="2" charset="-122"/>
                 <a:ea typeface="华文仿宋" panose="02010600040101010101" pitchFamily="2" charset="-122"/>
               </a:rPr>
               <a:t>法向一致性矫正</a:t>
             </a:r>
             <a:endParaRPr lang="zh-CN" altLang="en-US" sz="1600" dirty="0">
+              <a:ln w="0"/>
+              <a:solidFill>
+                <a:schemeClr val="tx1"/>
+              </a:solidFill>
               <a:latin typeface="华文仿宋" panose="02010600040101010101" pitchFamily="2" charset="-122"/>
               <a:ea typeface="华文仿宋" panose="02010600040101010101" pitchFamily="2" charset="-122"/>
             </a:endParaRPr>
@@ -17829,18 +17945,16 @@
         </p:spPr>
         <p:style>
           <a:lnRef idx="2">
-            <a:schemeClr val="accent1">
-              <a:shade val="50000"/>
-            </a:schemeClr>
+            <a:schemeClr val="dk1"/>
           </a:lnRef>
           <a:fillRef idx="1">
-            <a:schemeClr val="accent1"/>
+            <a:schemeClr val="lt1"/>
           </a:fillRef>
           <a:effectRef idx="0">
-            <a:schemeClr val="accent1"/>
+            <a:schemeClr val="dk1"/>
           </a:effectRef>
           <a:fontRef idx="minor">
-            <a:schemeClr val="lt1"/>
+            <a:schemeClr val="dk1"/>
           </a:fontRef>
         </p:style>
         <p:txBody>
@@ -17850,15 +17964,15 @@
             <a:pPr algn="ctr"/>
             <a:r>
               <a:rPr lang="zh-CN" altLang="en-US" sz="1600" dirty="0">
+                <a:ln w="0"/>
+                <a:solidFill>
+                  <a:schemeClr val="tx1"/>
+                </a:solidFill>
                 <a:latin typeface="华文仿宋" panose="02010600040101010101" pitchFamily="2" charset="-122"/>
                 <a:ea typeface="华文仿宋" panose="02010600040101010101" pitchFamily="2" charset="-122"/>
               </a:rPr>
               <a:t>生成网格模型</a:t>
             </a:r>
-            <a:endParaRPr lang="zh-CN" altLang="en-US" sz="1600" dirty="0">
-              <a:latin typeface="华文仿宋" panose="02010600040101010101" pitchFamily="2" charset="-122"/>
-              <a:ea typeface="华文仿宋" panose="02010600040101010101" pitchFamily="2" charset="-122"/>
-            </a:endParaRPr>
           </a:p>
         </p:txBody>
       </p:sp>
@@ -17879,20 +17993,20 @@
           <a:prstGeom prst="bentConnector3">
             <a:avLst/>
           </a:prstGeom>
-          <a:ln w="19050"/>
+          <a:ln/>
         </p:spPr>
         <p:style>
-          <a:lnRef idx="1">
-            <a:schemeClr val="accent1"/>
+          <a:lnRef idx="2">
+            <a:schemeClr val="dk1"/>
           </a:lnRef>
-          <a:fillRef idx="0">
-            <a:schemeClr val="accent1"/>
+          <a:fillRef idx="1">
+            <a:schemeClr val="lt1"/>
           </a:fillRef>
           <a:effectRef idx="0">
-            <a:schemeClr val="accent1"/>
+            <a:schemeClr val="dk1"/>
           </a:effectRef>
           <a:fontRef idx="minor">
-            <a:schemeClr val="tx1"/>
+            <a:schemeClr val="dk1"/>
           </a:fontRef>
         </p:style>
       </p:cxnSp>
@@ -17915,20 +18029,20 @@
               <a:gd name="adj1" fmla="val 50000"/>
             </a:avLst>
           </a:prstGeom>
-          <a:ln w="19050"/>
+          <a:ln/>
         </p:spPr>
         <p:style>
-          <a:lnRef idx="1">
-            <a:schemeClr val="accent1"/>
+          <a:lnRef idx="2">
+            <a:schemeClr val="dk1"/>
           </a:lnRef>
-          <a:fillRef idx="0">
-            <a:schemeClr val="accent1"/>
+          <a:fillRef idx="1">
+            <a:schemeClr val="lt1"/>
           </a:fillRef>
           <a:effectRef idx="0">
-            <a:schemeClr val="accent1"/>
+            <a:schemeClr val="dk1"/>
           </a:effectRef>
           <a:fontRef idx="minor">
-            <a:schemeClr val="tx1"/>
+            <a:schemeClr val="dk1"/>
           </a:fontRef>
         </p:style>
       </p:cxnSp>
@@ -17951,22 +18065,22 @@
               <a:gd name="adj1" fmla="val 50000"/>
             </a:avLst>
           </a:prstGeom>
-          <a:ln w="19050">
+          <a:ln>
             <a:tailEnd type="stealth" w="lg" len="lg"/>
           </a:ln>
         </p:spPr>
         <p:style>
-          <a:lnRef idx="1">
-            <a:schemeClr val="accent1"/>
+          <a:lnRef idx="2">
+            <a:schemeClr val="dk1"/>
           </a:lnRef>
-          <a:fillRef idx="0">
-            <a:schemeClr val="accent1"/>
+          <a:fillRef idx="1">
+            <a:schemeClr val="lt1"/>
           </a:fillRef>
           <a:effectRef idx="0">
-            <a:schemeClr val="accent1"/>
+            <a:schemeClr val="dk1"/>
           </a:effectRef>
           <a:fontRef idx="minor">
-            <a:schemeClr val="tx1"/>
+            <a:schemeClr val="dk1"/>
           </a:fontRef>
         </p:style>
       </p:cxnSp>
@@ -17989,20 +18103,20 @@
               <a:gd name="adj1" fmla="val 50000"/>
             </a:avLst>
           </a:prstGeom>
-          <a:ln w="19050"/>
+          <a:ln/>
         </p:spPr>
         <p:style>
-          <a:lnRef idx="1">
-            <a:schemeClr val="accent1"/>
+          <a:lnRef idx="2">
+            <a:schemeClr val="dk1"/>
           </a:lnRef>
-          <a:fillRef idx="0">
-            <a:schemeClr val="accent1"/>
+          <a:fillRef idx="1">
+            <a:schemeClr val="lt1"/>
           </a:fillRef>
           <a:effectRef idx="0">
-            <a:schemeClr val="accent1"/>
+            <a:schemeClr val="dk1"/>
           </a:effectRef>
           <a:fontRef idx="minor">
-            <a:schemeClr val="tx1"/>
+            <a:schemeClr val="dk1"/>
           </a:fontRef>
         </p:style>
       </p:cxnSp>
@@ -18025,20 +18139,20 @@
               <a:gd name="adj1" fmla="val 50000"/>
             </a:avLst>
           </a:prstGeom>
-          <a:ln w="19050"/>
+          <a:ln/>
         </p:spPr>
         <p:style>
-          <a:lnRef idx="1">
-            <a:schemeClr val="accent1"/>
+          <a:lnRef idx="2">
+            <a:schemeClr val="dk1"/>
           </a:lnRef>
-          <a:fillRef idx="0">
-            <a:schemeClr val="accent1"/>
+          <a:fillRef idx="1">
+            <a:schemeClr val="lt1"/>
           </a:fillRef>
           <a:effectRef idx="0">
-            <a:schemeClr val="accent1"/>
+            <a:schemeClr val="dk1"/>
           </a:effectRef>
           <a:fontRef idx="minor">
-            <a:schemeClr val="tx1"/>
+            <a:schemeClr val="dk1"/>
           </a:fontRef>
         </p:style>
       </p:cxnSp>
@@ -18204,18 +18318,16 @@
         </p:spPr>
         <p:style>
           <a:lnRef idx="2">
-            <a:schemeClr val="accent1">
-              <a:shade val="50000"/>
-            </a:schemeClr>
+            <a:schemeClr val="dk1"/>
           </a:lnRef>
           <a:fillRef idx="1">
-            <a:schemeClr val="accent1"/>
+            <a:schemeClr val="lt1"/>
           </a:fillRef>
           <a:effectRef idx="0">
-            <a:schemeClr val="accent1"/>
+            <a:schemeClr val="dk1"/>
           </a:effectRef>
           <a:fontRef idx="minor">
-            <a:schemeClr val="lt1"/>
+            <a:schemeClr val="dk1"/>
           </a:fontRef>
         </p:style>
         <p:txBody>
@@ -18225,12 +18337,20 @@
             <a:pPr algn="ctr"/>
             <a:r>
               <a:rPr lang="zh-CN" altLang="en-US" sz="1600" dirty="0" smtClean="0">
+                <a:ln w="0"/>
+                <a:solidFill>
+                  <a:schemeClr val="tx1"/>
+                </a:solidFill>
                 <a:latin typeface="华文仿宋" panose="02010600040101010101" pitchFamily="2" charset="-122"/>
                 <a:ea typeface="华文仿宋" panose="02010600040101010101" pitchFamily="2" charset="-122"/>
               </a:rPr>
               <a:t>纹理贴图</a:t>
             </a:r>
             <a:endParaRPr lang="zh-CN" altLang="en-US" sz="1600" dirty="0">
+              <a:ln w="0"/>
+              <a:solidFill>
+                <a:schemeClr val="tx1"/>
+              </a:solidFill>
               <a:latin typeface="华文仿宋" panose="02010600040101010101" pitchFamily="2" charset="-122"/>
               <a:ea typeface="华文仿宋" panose="02010600040101010101" pitchFamily="2" charset="-122"/>
             </a:endParaRPr>

--- a/template/figures/chpt4/演示文稿1.pptx
+++ b/template/figures/chpt4/演示文稿1.pptx
@@ -5,7 +5,7 @@
     <p:sldMasterId id="2147483648" r:id="rId1"/>
   </p:sldMasterIdLst>
   <p:notesMasterIdLst>
-    <p:notesMasterId r:id="rId7"/>
+    <p:notesMasterId r:id="rId8"/>
   </p:notesMasterIdLst>
   <p:sldIdLst>
     <p:sldId id="256" r:id="rId2"/>
@@ -13,6 +13,7 @@
     <p:sldId id="258" r:id="rId4"/>
     <p:sldId id="259" r:id="rId5"/>
     <p:sldId id="260" r:id="rId6"/>
+    <p:sldId id="261" r:id="rId7"/>
   </p:sldIdLst>
   <p:sldSz cx="12192000" cy="6858000"/>
   <p:notesSz cx="6858000" cy="9144000"/>
@@ -201,7 +202,7 @@
           <a:p>
             <a:fld id="{BDC23B11-317D-4E3D-AE26-D4B5EE0687F8}" type="datetimeFigureOut">
               <a:rPr lang="zh-CN" altLang="en-US" smtClean="0"/>
-              <a:t>2016/5/7</a:t>
+              <a:t>2016/5/18</a:t>
             </a:fld>
             <a:endParaRPr lang="zh-CN" altLang="en-US"/>
           </a:p>
@@ -1020,7 +1021,7 @@
           <a:p>
             <a:fld id="{C519C85F-9736-4CF2-AA4F-AEC232325DA8}" type="datetimeFigureOut">
               <a:rPr lang="zh-CN" altLang="en-US" smtClean="0"/>
-              <a:t>2016/5/7</a:t>
+              <a:t>2016/5/18</a:t>
             </a:fld>
             <a:endParaRPr lang="zh-CN" altLang="en-US"/>
           </a:p>
@@ -1190,7 +1191,7 @@
           <a:p>
             <a:fld id="{C519C85F-9736-4CF2-AA4F-AEC232325DA8}" type="datetimeFigureOut">
               <a:rPr lang="zh-CN" altLang="en-US" smtClean="0"/>
-              <a:t>2016/5/7</a:t>
+              <a:t>2016/5/18</a:t>
             </a:fld>
             <a:endParaRPr lang="zh-CN" altLang="en-US"/>
           </a:p>
@@ -1370,7 +1371,7 @@
           <a:p>
             <a:fld id="{C519C85F-9736-4CF2-AA4F-AEC232325DA8}" type="datetimeFigureOut">
               <a:rPr lang="zh-CN" altLang="en-US" smtClean="0"/>
-              <a:t>2016/5/7</a:t>
+              <a:t>2016/5/18</a:t>
             </a:fld>
             <a:endParaRPr lang="zh-CN" altLang="en-US"/>
           </a:p>
@@ -1540,7 +1541,7 @@
           <a:p>
             <a:fld id="{C519C85F-9736-4CF2-AA4F-AEC232325DA8}" type="datetimeFigureOut">
               <a:rPr lang="zh-CN" altLang="en-US" smtClean="0"/>
-              <a:t>2016/5/7</a:t>
+              <a:t>2016/5/18</a:t>
             </a:fld>
             <a:endParaRPr lang="zh-CN" altLang="en-US"/>
           </a:p>
@@ -1786,7 +1787,7 @@
           <a:p>
             <a:fld id="{C519C85F-9736-4CF2-AA4F-AEC232325DA8}" type="datetimeFigureOut">
               <a:rPr lang="zh-CN" altLang="en-US" smtClean="0"/>
-              <a:t>2016/5/7</a:t>
+              <a:t>2016/5/18</a:t>
             </a:fld>
             <a:endParaRPr lang="zh-CN" altLang="en-US"/>
           </a:p>
@@ -2018,7 +2019,7 @@
           <a:p>
             <a:fld id="{C519C85F-9736-4CF2-AA4F-AEC232325DA8}" type="datetimeFigureOut">
               <a:rPr lang="zh-CN" altLang="en-US" smtClean="0"/>
-              <a:t>2016/5/7</a:t>
+              <a:t>2016/5/18</a:t>
             </a:fld>
             <a:endParaRPr lang="zh-CN" altLang="en-US"/>
           </a:p>
@@ -2385,7 +2386,7 @@
           <a:p>
             <a:fld id="{C519C85F-9736-4CF2-AA4F-AEC232325DA8}" type="datetimeFigureOut">
               <a:rPr lang="zh-CN" altLang="en-US" smtClean="0"/>
-              <a:t>2016/5/7</a:t>
+              <a:t>2016/5/18</a:t>
             </a:fld>
             <a:endParaRPr lang="zh-CN" altLang="en-US"/>
           </a:p>
@@ -2503,7 +2504,7 @@
           <a:p>
             <a:fld id="{C519C85F-9736-4CF2-AA4F-AEC232325DA8}" type="datetimeFigureOut">
               <a:rPr lang="zh-CN" altLang="en-US" smtClean="0"/>
-              <a:t>2016/5/7</a:t>
+              <a:t>2016/5/18</a:t>
             </a:fld>
             <a:endParaRPr lang="zh-CN" altLang="en-US"/>
           </a:p>
@@ -2598,7 +2599,7 @@
           <a:p>
             <a:fld id="{C519C85F-9736-4CF2-AA4F-AEC232325DA8}" type="datetimeFigureOut">
               <a:rPr lang="zh-CN" altLang="en-US" smtClean="0"/>
-              <a:t>2016/5/7</a:t>
+              <a:t>2016/5/18</a:t>
             </a:fld>
             <a:endParaRPr lang="zh-CN" altLang="en-US"/>
           </a:p>
@@ -2875,7 +2876,7 @@
           <a:p>
             <a:fld id="{C519C85F-9736-4CF2-AA4F-AEC232325DA8}" type="datetimeFigureOut">
               <a:rPr lang="zh-CN" altLang="en-US" smtClean="0"/>
-              <a:t>2016/5/7</a:t>
+              <a:t>2016/5/18</a:t>
             </a:fld>
             <a:endParaRPr lang="zh-CN" altLang="en-US"/>
           </a:p>
@@ -3128,7 +3129,7 @@
           <a:p>
             <a:fld id="{C519C85F-9736-4CF2-AA4F-AEC232325DA8}" type="datetimeFigureOut">
               <a:rPr lang="zh-CN" altLang="en-US" smtClean="0"/>
-              <a:t>2016/5/7</a:t>
+              <a:t>2016/5/18</a:t>
             </a:fld>
             <a:endParaRPr lang="zh-CN" altLang="en-US"/>
           </a:p>
@@ -3341,7 +3342,7 @@
           <a:p>
             <a:fld id="{C519C85F-9736-4CF2-AA4F-AEC232325DA8}" type="datetimeFigureOut">
               <a:rPr lang="zh-CN" altLang="en-US" smtClean="0"/>
-              <a:t>2016/5/7</a:t>
+              <a:t>2016/5/18</a:t>
             </a:fld>
             <a:endParaRPr lang="zh-CN" altLang="en-US"/>
           </a:p>
@@ -19550,6 +19551,940 @@
 </p:sld>
 </file>
 
+<file path=ppt/slides/slide6.xml><?xml version="1.0" encoding="utf-8"?>
+<p:sld xmlns:a="http://schemas.openxmlformats.org/drawingml/2006/main" xmlns:r="http://schemas.openxmlformats.org/officeDocument/2006/relationships" xmlns:p="http://schemas.openxmlformats.org/presentationml/2006/main">
+  <p:cSld>
+    <p:spTree>
+      <p:nvGrpSpPr>
+        <p:cNvPr id="1" name=""/>
+        <p:cNvGrpSpPr/>
+        <p:nvPr/>
+      </p:nvGrpSpPr>
+      <p:grpSpPr>
+        <a:xfrm>
+          <a:off x="0" y="0"/>
+          <a:ext cx="0" cy="0"/>
+          <a:chOff x="0" y="0"/>
+          <a:chExt cx="0" cy="0"/>
+        </a:xfrm>
+      </p:grpSpPr>
+      <p:grpSp>
+        <p:nvGrpSpPr>
+          <p:cNvPr id="21" name="组合 20"/>
+          <p:cNvGrpSpPr/>
+          <p:nvPr/>
+        </p:nvGrpSpPr>
+        <p:grpSpPr>
+          <a:xfrm flipH="1">
+            <a:off x="1342768" y="996778"/>
+            <a:ext cx="1944129" cy="2512541"/>
+            <a:chOff x="1342768" y="996778"/>
+            <a:chExt cx="1944129" cy="2512541"/>
+          </a:xfrm>
+        </p:grpSpPr>
+        <p:sp>
+          <p:nvSpPr>
+            <p:cNvPr id="4" name="矩形 3"/>
+            <p:cNvSpPr/>
+            <p:nvPr/>
+          </p:nvSpPr>
+          <p:spPr>
+            <a:xfrm flipH="1" flipV="1">
+              <a:off x="1342768" y="996778"/>
+              <a:ext cx="1944129" cy="2512541"/>
+            </a:xfrm>
+            <a:prstGeom prst="rect">
+              <a:avLst/>
+            </a:prstGeom>
+            <a:noFill/>
+            <a:ln>
+              <a:solidFill>
+                <a:schemeClr val="tx1"/>
+              </a:solidFill>
+            </a:ln>
+          </p:spPr>
+          <p:style>
+            <a:lnRef idx="2">
+              <a:schemeClr val="accent1">
+                <a:shade val="50000"/>
+              </a:schemeClr>
+            </a:lnRef>
+            <a:fillRef idx="1">
+              <a:schemeClr val="accent1"/>
+            </a:fillRef>
+            <a:effectRef idx="0">
+              <a:schemeClr val="accent1"/>
+            </a:effectRef>
+            <a:fontRef idx="minor">
+              <a:schemeClr val="lt1"/>
+            </a:fontRef>
+          </p:style>
+          <p:txBody>
+            <a:bodyPr rtlCol="0" anchor="ctr"/>
+            <a:lstStyle/>
+            <a:p>
+              <a:pPr algn="ctr"/>
+              <a:endParaRPr lang="zh-CN" altLang="en-US"/>
+            </a:p>
+          </p:txBody>
+        </p:sp>
+        <p:cxnSp>
+          <p:nvCxnSpPr>
+            <p:cNvPr id="7" name="直接连接符 6"/>
+            <p:cNvCxnSpPr/>
+            <p:nvPr/>
+          </p:nvCxnSpPr>
+          <p:spPr>
+            <a:xfrm flipH="1" flipV="1">
+              <a:off x="1342768" y="1705232"/>
+              <a:ext cx="1944129" cy="0"/>
+            </a:xfrm>
+            <a:prstGeom prst="line">
+              <a:avLst/>
+            </a:prstGeom>
+            <a:ln>
+              <a:solidFill>
+                <a:schemeClr val="tx1"/>
+              </a:solidFill>
+            </a:ln>
+          </p:spPr>
+          <p:style>
+            <a:lnRef idx="1">
+              <a:schemeClr val="accent1"/>
+            </a:lnRef>
+            <a:fillRef idx="0">
+              <a:schemeClr val="accent1"/>
+            </a:fillRef>
+            <a:effectRef idx="0">
+              <a:schemeClr val="accent1"/>
+            </a:effectRef>
+            <a:fontRef idx="minor">
+              <a:schemeClr val="tx1"/>
+            </a:fontRef>
+          </p:style>
+        </p:cxnSp>
+        <p:cxnSp>
+          <p:nvCxnSpPr>
+            <p:cNvPr id="8" name="直接连接符 7"/>
+            <p:cNvCxnSpPr/>
+            <p:nvPr/>
+          </p:nvCxnSpPr>
+          <p:spPr>
+            <a:xfrm flipH="1" flipV="1">
+              <a:off x="1342768" y="1845275"/>
+              <a:ext cx="1944129" cy="0"/>
+            </a:xfrm>
+            <a:prstGeom prst="line">
+              <a:avLst/>
+            </a:prstGeom>
+            <a:ln>
+              <a:solidFill>
+                <a:schemeClr val="tx1"/>
+              </a:solidFill>
+            </a:ln>
+          </p:spPr>
+          <p:style>
+            <a:lnRef idx="1">
+              <a:schemeClr val="accent1"/>
+            </a:lnRef>
+            <a:fillRef idx="0">
+              <a:schemeClr val="accent1"/>
+            </a:fillRef>
+            <a:effectRef idx="0">
+              <a:schemeClr val="accent1"/>
+            </a:effectRef>
+            <a:fontRef idx="minor">
+              <a:schemeClr val="tx1"/>
+            </a:fontRef>
+          </p:style>
+        </p:cxnSp>
+        <p:cxnSp>
+          <p:nvCxnSpPr>
+            <p:cNvPr id="10" name="直接连接符 9"/>
+            <p:cNvCxnSpPr/>
+            <p:nvPr/>
+          </p:nvCxnSpPr>
+          <p:spPr>
+            <a:xfrm flipH="1" flipV="1">
+              <a:off x="1820562" y="1705232"/>
+              <a:ext cx="0" cy="140043"/>
+            </a:xfrm>
+            <a:prstGeom prst="line">
+              <a:avLst/>
+            </a:prstGeom>
+            <a:ln>
+              <a:solidFill>
+                <a:schemeClr val="tx1"/>
+              </a:solidFill>
+            </a:ln>
+          </p:spPr>
+          <p:style>
+            <a:lnRef idx="1">
+              <a:schemeClr val="accent1"/>
+            </a:lnRef>
+            <a:fillRef idx="0">
+              <a:schemeClr val="accent1"/>
+            </a:fillRef>
+            <a:effectRef idx="0">
+              <a:schemeClr val="accent1"/>
+            </a:effectRef>
+            <a:fontRef idx="minor">
+              <a:schemeClr val="tx1"/>
+            </a:fontRef>
+          </p:style>
+        </p:cxnSp>
+        <p:cxnSp>
+          <p:nvCxnSpPr>
+            <p:cNvPr id="11" name="直接连接符 10"/>
+            <p:cNvCxnSpPr/>
+            <p:nvPr/>
+          </p:nvCxnSpPr>
+          <p:spPr>
+            <a:xfrm flipH="1" flipV="1">
+              <a:off x="1945181" y="1705232"/>
+              <a:ext cx="0" cy="140043"/>
+            </a:xfrm>
+            <a:prstGeom prst="line">
+              <a:avLst/>
+            </a:prstGeom>
+            <a:ln>
+              <a:solidFill>
+                <a:schemeClr val="tx1"/>
+              </a:solidFill>
+            </a:ln>
+          </p:spPr>
+          <p:style>
+            <a:lnRef idx="1">
+              <a:schemeClr val="accent1"/>
+            </a:lnRef>
+            <a:fillRef idx="0">
+              <a:schemeClr val="accent1"/>
+            </a:fillRef>
+            <a:effectRef idx="0">
+              <a:schemeClr val="accent1"/>
+            </a:effectRef>
+            <a:fontRef idx="minor">
+              <a:schemeClr val="tx1"/>
+            </a:fontRef>
+          </p:style>
+        </p:cxnSp>
+        <p:cxnSp>
+          <p:nvCxnSpPr>
+            <p:cNvPr id="12" name="直接连接符 11"/>
+            <p:cNvCxnSpPr/>
+            <p:nvPr/>
+          </p:nvCxnSpPr>
+          <p:spPr>
+            <a:xfrm flipH="1" flipV="1">
+              <a:off x="2069800" y="1705232"/>
+              <a:ext cx="0" cy="140043"/>
+            </a:xfrm>
+            <a:prstGeom prst="line">
+              <a:avLst/>
+            </a:prstGeom>
+            <a:ln>
+              <a:solidFill>
+                <a:schemeClr val="tx1"/>
+              </a:solidFill>
+            </a:ln>
+          </p:spPr>
+          <p:style>
+            <a:lnRef idx="1">
+              <a:schemeClr val="accent1"/>
+            </a:lnRef>
+            <a:fillRef idx="0">
+              <a:schemeClr val="accent1"/>
+            </a:fillRef>
+            <a:effectRef idx="0">
+              <a:schemeClr val="accent1"/>
+            </a:effectRef>
+            <a:fontRef idx="minor">
+              <a:schemeClr val="tx1"/>
+            </a:fontRef>
+          </p:style>
+        </p:cxnSp>
+        <p:cxnSp>
+          <p:nvCxnSpPr>
+            <p:cNvPr id="13" name="直接连接符 12"/>
+            <p:cNvCxnSpPr/>
+            <p:nvPr/>
+          </p:nvCxnSpPr>
+          <p:spPr>
+            <a:xfrm flipH="1" flipV="1">
+              <a:off x="2194418" y="1711216"/>
+              <a:ext cx="0" cy="140043"/>
+            </a:xfrm>
+            <a:prstGeom prst="line">
+              <a:avLst/>
+            </a:prstGeom>
+            <a:ln>
+              <a:solidFill>
+                <a:schemeClr val="tx1"/>
+              </a:solidFill>
+            </a:ln>
+          </p:spPr>
+          <p:style>
+            <a:lnRef idx="1">
+              <a:schemeClr val="accent1"/>
+            </a:lnRef>
+            <a:fillRef idx="0">
+              <a:schemeClr val="accent1"/>
+            </a:fillRef>
+            <a:effectRef idx="0">
+              <a:schemeClr val="accent1"/>
+            </a:effectRef>
+            <a:fontRef idx="minor">
+              <a:schemeClr val="tx1"/>
+            </a:fontRef>
+          </p:style>
+        </p:cxnSp>
+      </p:grpSp>
+      <p:grpSp>
+        <p:nvGrpSpPr>
+          <p:cNvPr id="22" name="组合 21"/>
+          <p:cNvGrpSpPr/>
+          <p:nvPr/>
+        </p:nvGrpSpPr>
+        <p:grpSpPr>
+          <a:xfrm>
+            <a:off x="4003418" y="996778"/>
+            <a:ext cx="1944129" cy="2512541"/>
+            <a:chOff x="4003418" y="996778"/>
+            <a:chExt cx="1944129" cy="2512541"/>
+          </a:xfrm>
+        </p:grpSpPr>
+        <p:sp>
+          <p:nvSpPr>
+            <p:cNvPr id="14" name="矩形 13"/>
+            <p:cNvSpPr/>
+            <p:nvPr/>
+          </p:nvSpPr>
+          <p:spPr>
+            <a:xfrm>
+              <a:off x="4003418" y="996778"/>
+              <a:ext cx="1944129" cy="2512541"/>
+            </a:xfrm>
+            <a:prstGeom prst="rect">
+              <a:avLst/>
+            </a:prstGeom>
+            <a:noFill/>
+            <a:ln>
+              <a:solidFill>
+                <a:schemeClr val="tx1"/>
+              </a:solidFill>
+            </a:ln>
+          </p:spPr>
+          <p:style>
+            <a:lnRef idx="2">
+              <a:schemeClr val="accent1">
+                <a:shade val="50000"/>
+              </a:schemeClr>
+            </a:lnRef>
+            <a:fillRef idx="1">
+              <a:schemeClr val="accent1"/>
+            </a:fillRef>
+            <a:effectRef idx="0">
+              <a:schemeClr val="accent1"/>
+            </a:effectRef>
+            <a:fontRef idx="minor">
+              <a:schemeClr val="lt1"/>
+            </a:fontRef>
+          </p:style>
+          <p:txBody>
+            <a:bodyPr rtlCol="0" anchor="ctr"/>
+            <a:lstStyle/>
+            <a:p>
+              <a:pPr algn="ctr"/>
+              <a:endParaRPr lang="zh-CN" altLang="en-US"/>
+            </a:p>
+          </p:txBody>
+        </p:sp>
+        <p:cxnSp>
+          <p:nvCxnSpPr>
+            <p:cNvPr id="15" name="直接连接符 14"/>
+            <p:cNvCxnSpPr/>
+            <p:nvPr/>
+          </p:nvCxnSpPr>
+          <p:spPr>
+            <a:xfrm>
+              <a:off x="4003418" y="1705232"/>
+              <a:ext cx="1944129" cy="0"/>
+            </a:xfrm>
+            <a:prstGeom prst="line">
+              <a:avLst/>
+            </a:prstGeom>
+            <a:ln>
+              <a:solidFill>
+                <a:schemeClr val="tx1"/>
+              </a:solidFill>
+            </a:ln>
+          </p:spPr>
+          <p:style>
+            <a:lnRef idx="1">
+              <a:schemeClr val="accent1"/>
+            </a:lnRef>
+            <a:fillRef idx="0">
+              <a:schemeClr val="accent1"/>
+            </a:fillRef>
+            <a:effectRef idx="0">
+              <a:schemeClr val="accent1"/>
+            </a:effectRef>
+            <a:fontRef idx="minor">
+              <a:schemeClr val="tx1"/>
+            </a:fontRef>
+          </p:style>
+        </p:cxnSp>
+        <p:cxnSp>
+          <p:nvCxnSpPr>
+            <p:cNvPr id="16" name="直接连接符 15"/>
+            <p:cNvCxnSpPr/>
+            <p:nvPr/>
+          </p:nvCxnSpPr>
+          <p:spPr>
+            <a:xfrm>
+              <a:off x="4003418" y="1845275"/>
+              <a:ext cx="1944129" cy="0"/>
+            </a:xfrm>
+            <a:prstGeom prst="line">
+              <a:avLst/>
+            </a:prstGeom>
+            <a:ln>
+              <a:solidFill>
+                <a:schemeClr val="tx1"/>
+              </a:solidFill>
+            </a:ln>
+          </p:spPr>
+          <p:style>
+            <a:lnRef idx="1">
+              <a:schemeClr val="accent1"/>
+            </a:lnRef>
+            <a:fillRef idx="0">
+              <a:schemeClr val="accent1"/>
+            </a:fillRef>
+            <a:effectRef idx="0">
+              <a:schemeClr val="accent1"/>
+            </a:effectRef>
+            <a:fontRef idx="minor">
+              <a:schemeClr val="tx1"/>
+            </a:fontRef>
+          </p:style>
+        </p:cxnSp>
+        <p:cxnSp>
+          <p:nvCxnSpPr>
+            <p:cNvPr id="17" name="直接连接符 16"/>
+            <p:cNvCxnSpPr/>
+            <p:nvPr/>
+          </p:nvCxnSpPr>
+          <p:spPr>
+            <a:xfrm>
+              <a:off x="4481212" y="1705232"/>
+              <a:ext cx="0" cy="140043"/>
+            </a:xfrm>
+            <a:prstGeom prst="line">
+              <a:avLst/>
+            </a:prstGeom>
+            <a:ln>
+              <a:solidFill>
+                <a:schemeClr val="tx1"/>
+              </a:solidFill>
+            </a:ln>
+          </p:spPr>
+          <p:style>
+            <a:lnRef idx="1">
+              <a:schemeClr val="accent1"/>
+            </a:lnRef>
+            <a:fillRef idx="0">
+              <a:schemeClr val="accent1"/>
+            </a:fillRef>
+            <a:effectRef idx="0">
+              <a:schemeClr val="accent1"/>
+            </a:effectRef>
+            <a:fontRef idx="minor">
+              <a:schemeClr val="tx1"/>
+            </a:fontRef>
+          </p:style>
+        </p:cxnSp>
+        <p:cxnSp>
+          <p:nvCxnSpPr>
+            <p:cNvPr id="18" name="直接连接符 17"/>
+            <p:cNvCxnSpPr/>
+            <p:nvPr/>
+          </p:nvCxnSpPr>
+          <p:spPr>
+            <a:xfrm>
+              <a:off x="4605831" y="1705232"/>
+              <a:ext cx="0" cy="140043"/>
+            </a:xfrm>
+            <a:prstGeom prst="line">
+              <a:avLst/>
+            </a:prstGeom>
+            <a:ln>
+              <a:solidFill>
+                <a:schemeClr val="tx1"/>
+              </a:solidFill>
+            </a:ln>
+          </p:spPr>
+          <p:style>
+            <a:lnRef idx="1">
+              <a:schemeClr val="accent1"/>
+            </a:lnRef>
+            <a:fillRef idx="0">
+              <a:schemeClr val="accent1"/>
+            </a:fillRef>
+            <a:effectRef idx="0">
+              <a:schemeClr val="accent1"/>
+            </a:effectRef>
+            <a:fontRef idx="minor">
+              <a:schemeClr val="tx1"/>
+            </a:fontRef>
+          </p:style>
+        </p:cxnSp>
+        <p:cxnSp>
+          <p:nvCxnSpPr>
+            <p:cNvPr id="19" name="直接连接符 18"/>
+            <p:cNvCxnSpPr/>
+            <p:nvPr/>
+          </p:nvCxnSpPr>
+          <p:spPr>
+            <a:xfrm>
+              <a:off x="4730450" y="1705232"/>
+              <a:ext cx="0" cy="140043"/>
+            </a:xfrm>
+            <a:prstGeom prst="line">
+              <a:avLst/>
+            </a:prstGeom>
+            <a:ln>
+              <a:solidFill>
+                <a:schemeClr val="tx1"/>
+              </a:solidFill>
+            </a:ln>
+          </p:spPr>
+          <p:style>
+            <a:lnRef idx="1">
+              <a:schemeClr val="accent1"/>
+            </a:lnRef>
+            <a:fillRef idx="0">
+              <a:schemeClr val="accent1"/>
+            </a:fillRef>
+            <a:effectRef idx="0">
+              <a:schemeClr val="accent1"/>
+            </a:effectRef>
+            <a:fontRef idx="minor">
+              <a:schemeClr val="tx1"/>
+            </a:fontRef>
+          </p:style>
+        </p:cxnSp>
+        <p:cxnSp>
+          <p:nvCxnSpPr>
+            <p:cNvPr id="20" name="直接连接符 19"/>
+            <p:cNvCxnSpPr/>
+            <p:nvPr/>
+          </p:nvCxnSpPr>
+          <p:spPr>
+            <a:xfrm>
+              <a:off x="4855068" y="1711216"/>
+              <a:ext cx="0" cy="140043"/>
+            </a:xfrm>
+            <a:prstGeom prst="line">
+              <a:avLst/>
+            </a:prstGeom>
+            <a:ln>
+              <a:solidFill>
+                <a:schemeClr val="tx1"/>
+              </a:solidFill>
+            </a:ln>
+          </p:spPr>
+          <p:style>
+            <a:lnRef idx="1">
+              <a:schemeClr val="accent1"/>
+            </a:lnRef>
+            <a:fillRef idx="0">
+              <a:schemeClr val="accent1"/>
+            </a:fillRef>
+            <a:effectRef idx="0">
+              <a:schemeClr val="accent1"/>
+            </a:effectRef>
+            <a:fontRef idx="minor">
+              <a:schemeClr val="tx1"/>
+            </a:fontRef>
+          </p:style>
+        </p:cxnSp>
+      </p:grpSp>
+      <p:sp>
+        <p:nvSpPr>
+          <p:cNvPr id="40" name="弧形 39"/>
+          <p:cNvSpPr/>
+          <p:nvPr/>
+        </p:nvSpPr>
+        <p:spPr>
+          <a:xfrm>
+            <a:off x="2494178" y="1428750"/>
+            <a:ext cx="2038350" cy="532197"/>
+          </a:xfrm>
+          <a:prstGeom prst="arc">
+            <a:avLst>
+              <a:gd name="adj1" fmla="val 10775567"/>
+              <a:gd name="adj2" fmla="val 0"/>
+            </a:avLst>
+          </a:prstGeom>
+          <a:ln>
+            <a:solidFill>
+              <a:schemeClr val="tx1"/>
+            </a:solidFill>
+            <a:tailEnd type="triangle"/>
+          </a:ln>
+        </p:spPr>
+        <p:style>
+          <a:lnRef idx="1">
+            <a:schemeClr val="accent1"/>
+          </a:lnRef>
+          <a:fillRef idx="0">
+            <a:schemeClr val="accent1"/>
+          </a:fillRef>
+          <a:effectRef idx="0">
+            <a:schemeClr val="accent1"/>
+          </a:effectRef>
+          <a:fontRef idx="minor">
+            <a:schemeClr val="tx1"/>
+          </a:fontRef>
+        </p:style>
+        <p:txBody>
+          <a:bodyPr rtlCol="0" anchor="ctr"/>
+          <a:lstStyle/>
+          <a:p>
+            <a:pPr algn="ctr"/>
+            <a:endParaRPr lang="zh-CN" altLang="en-US"/>
+          </a:p>
+        </p:txBody>
+      </p:sp>
+      <p:sp>
+        <p:nvSpPr>
+          <p:cNvPr id="41" name="弧形 40"/>
+          <p:cNvSpPr/>
+          <p:nvPr/>
+        </p:nvSpPr>
+        <p:spPr>
+          <a:xfrm flipH="1" flipV="1">
+            <a:off x="2625552" y="1587499"/>
+            <a:ext cx="1906975" cy="523873"/>
+          </a:xfrm>
+          <a:prstGeom prst="arc">
+            <a:avLst>
+              <a:gd name="adj1" fmla="val 10775567"/>
+              <a:gd name="adj2" fmla="val 2"/>
+            </a:avLst>
+          </a:prstGeom>
+          <a:ln>
+            <a:solidFill>
+              <a:schemeClr val="tx1"/>
+            </a:solidFill>
+            <a:tailEnd type="triangle"/>
+          </a:ln>
+        </p:spPr>
+        <p:style>
+          <a:lnRef idx="1">
+            <a:schemeClr val="accent1"/>
+          </a:lnRef>
+          <a:fillRef idx="0">
+            <a:schemeClr val="accent1"/>
+          </a:fillRef>
+          <a:effectRef idx="0">
+            <a:schemeClr val="accent1"/>
+          </a:effectRef>
+          <a:fontRef idx="minor">
+            <a:schemeClr val="tx1"/>
+          </a:fontRef>
+        </p:style>
+        <p:txBody>
+          <a:bodyPr rtlCol="0" anchor="ctr"/>
+          <a:lstStyle/>
+          <a:p>
+            <a:pPr algn="ctr"/>
+            <a:endParaRPr lang="zh-CN" altLang="en-US"/>
+          </a:p>
+        </p:txBody>
+      </p:sp>
+      <mc:AlternateContent xmlns:mc="http://schemas.openxmlformats.org/markup-compatibility/2006">
+        <mc:Choice xmlns:a14="http://schemas.microsoft.com/office/drawing/2010/main" Requires="a14">
+          <p:sp>
+            <p:nvSpPr>
+              <p:cNvPr id="42" name="文本框 41"/>
+              <p:cNvSpPr txBox="1"/>
+              <p:nvPr/>
+            </p:nvSpPr>
+            <p:spPr>
+              <a:xfrm>
+                <a:off x="2317615" y="1448999"/>
+                <a:ext cx="161711" cy="246221"/>
+              </a:xfrm>
+              <a:prstGeom prst="rect">
+                <a:avLst/>
+              </a:prstGeom>
+              <a:noFill/>
+            </p:spPr>
+            <p:txBody>
+              <a:bodyPr wrap="none" lIns="0" tIns="0" rIns="0" bIns="0" rtlCol="0">
+                <a:spAutoFit/>
+              </a:bodyPr>
+              <a:lstStyle/>
+              <a:p>
+                <a14:m>
+                  <m:oMathPara xmlns:m="http://schemas.openxmlformats.org/officeDocument/2006/math">
+                    <m:oMathParaPr>
+                      <m:jc m:val="centerGroup"/>
+                    </m:oMathParaPr>
+                    <m:oMath xmlns:m="http://schemas.openxmlformats.org/officeDocument/2006/math">
+                      <m:r>
+                        <a:rPr lang="en-US" altLang="zh-CN" sz="1600" i="1">
+                          <a:latin typeface="Cambria Math" panose="02040503050406030204" pitchFamily="18" charset="0"/>
+                        </a:rPr>
+                        <m:t>𝑥</m:t>
+                      </m:r>
+                    </m:oMath>
+                  </m:oMathPara>
+                </a14:m>
+                <a:endParaRPr lang="zh-CN" altLang="en-US" sz="1600" i="1" dirty="0"/>
+              </a:p>
+            </p:txBody>
+          </p:sp>
+        </mc:Choice>
+        <mc:Fallback>
+          <p:sp>
+            <p:nvSpPr>
+              <p:cNvPr id="42" name="文本框 41"/>
+              <p:cNvSpPr txBox="1">
+                <a:spLocks noRot="1" noChangeAspect="1" noMove="1" noResize="1" noEditPoints="1" noAdjustHandles="1" noChangeArrowheads="1" noChangeShapeType="1" noTextEdit="1"/>
+              </p:cNvSpPr>
+              <p:nvPr/>
+            </p:nvSpPr>
+            <p:spPr>
+              <a:xfrm>
+                <a:off x="2317615" y="1448999"/>
+                <a:ext cx="161711" cy="246221"/>
+              </a:xfrm>
+              <a:prstGeom prst="rect">
+                <a:avLst/>
+              </a:prstGeom>
+              <a:blipFill rotWithShape="0">
+                <a:blip r:embed="rId2"/>
+                <a:stretch>
+                  <a:fillRect l="-14815" r="-14815"/>
+                </a:stretch>
+              </a:blipFill>
+            </p:spPr>
+            <p:txBody>
+              <a:bodyPr/>
+              <a:lstStyle/>
+              <a:p>
+                <a:r>
+                  <a:rPr lang="zh-CN" altLang="en-US">
+                    <a:noFill/>
+                  </a:rPr>
+                  <a:t> </a:t>
+                </a:r>
+              </a:p>
+            </p:txBody>
+          </p:sp>
+        </mc:Fallback>
+      </mc:AlternateContent>
+      <mc:AlternateContent xmlns:mc="http://schemas.openxmlformats.org/markup-compatibility/2006">
+        <mc:Choice xmlns:a14="http://schemas.microsoft.com/office/drawing/2010/main" Requires="a14">
+          <p:sp>
+            <p:nvSpPr>
+              <p:cNvPr id="43" name="文本框 42"/>
+              <p:cNvSpPr txBox="1"/>
+              <p:nvPr/>
+            </p:nvSpPr>
+            <p:spPr>
+              <a:xfrm>
+                <a:off x="4526073" y="1426690"/>
+                <a:ext cx="208390" cy="246221"/>
+              </a:xfrm>
+              <a:prstGeom prst="rect">
+                <a:avLst/>
+              </a:prstGeom>
+              <a:noFill/>
+            </p:spPr>
+            <p:txBody>
+              <a:bodyPr wrap="none" lIns="0" tIns="0" rIns="0" bIns="0" rtlCol="0">
+                <a:spAutoFit/>
+              </a:bodyPr>
+              <a:lstStyle/>
+              <a:p>
+                <a14:m>
+                  <m:oMathPara xmlns:m="http://schemas.openxmlformats.org/officeDocument/2006/math">
+                    <m:oMathParaPr>
+                      <m:jc m:val="centerGroup"/>
+                    </m:oMathParaPr>
+                    <m:oMath xmlns:m="http://schemas.openxmlformats.org/officeDocument/2006/math">
+                      <m:r>
+                        <a:rPr lang="en-US" altLang="zh-CN" sz="1600" i="1" smtClean="0">
+                          <a:latin typeface="Cambria Math" panose="02040503050406030204" pitchFamily="18" charset="0"/>
+                        </a:rPr>
+                        <m:t>𝑥</m:t>
+                      </m:r>
+                      <m:r>
+                        <a:rPr lang="en-US" altLang="zh-CN" sz="1600" b="0" i="1" smtClean="0">
+                          <a:latin typeface="Cambria Math" panose="02040503050406030204" pitchFamily="18" charset="0"/>
+                        </a:rPr>
+                        <m:t>′</m:t>
+                      </m:r>
+                    </m:oMath>
+                  </m:oMathPara>
+                </a14:m>
+                <a:endParaRPr lang="zh-CN" altLang="en-US" sz="1600" i="1" dirty="0"/>
+              </a:p>
+            </p:txBody>
+          </p:sp>
+        </mc:Choice>
+        <mc:Fallback>
+          <p:sp>
+            <p:nvSpPr>
+              <p:cNvPr id="43" name="文本框 42"/>
+              <p:cNvSpPr txBox="1">
+                <a:spLocks noRot="1" noChangeAspect="1" noMove="1" noResize="1" noEditPoints="1" noAdjustHandles="1" noChangeArrowheads="1" noChangeShapeType="1" noTextEdit="1"/>
+              </p:cNvSpPr>
+              <p:nvPr/>
+            </p:nvSpPr>
+            <p:spPr>
+              <a:xfrm>
+                <a:off x="4526073" y="1426690"/>
+                <a:ext cx="208390" cy="246221"/>
+              </a:xfrm>
+              <a:prstGeom prst="rect">
+                <a:avLst/>
+              </a:prstGeom>
+              <a:blipFill rotWithShape="0">
+                <a:blip r:embed="rId3"/>
+                <a:stretch>
+                  <a:fillRect l="-11429" t="-2500" r="-25714" b="-10000"/>
+                </a:stretch>
+              </a:blipFill>
+            </p:spPr>
+            <p:txBody>
+              <a:bodyPr/>
+              <a:lstStyle/>
+              <a:p>
+                <a:r>
+                  <a:rPr lang="zh-CN" altLang="en-US">
+                    <a:noFill/>
+                  </a:rPr>
+                  <a:t> </a:t>
+                </a:r>
+              </a:p>
+            </p:txBody>
+          </p:sp>
+        </mc:Fallback>
+      </mc:AlternateContent>
+      <mc:AlternateContent xmlns:mc="http://schemas.openxmlformats.org/markup-compatibility/2006">
+        <mc:Choice xmlns:a14="http://schemas.microsoft.com/office/drawing/2010/main" Requires="a14">
+          <p:sp>
+            <p:nvSpPr>
+              <p:cNvPr id="44" name="文本框 43"/>
+              <p:cNvSpPr txBox="1"/>
+              <p:nvPr/>
+            </p:nvSpPr>
+            <p:spPr>
+              <a:xfrm>
+                <a:off x="2520430" y="1885091"/>
+                <a:ext cx="270097" cy="246221"/>
+              </a:xfrm>
+              <a:prstGeom prst="rect">
+                <a:avLst/>
+              </a:prstGeom>
+              <a:noFill/>
+            </p:spPr>
+            <p:txBody>
+              <a:bodyPr wrap="square" lIns="0" tIns="0" rIns="0" bIns="0" rtlCol="0">
+                <a:spAutoFit/>
+              </a:bodyPr>
+              <a:lstStyle/>
+              <a:p>
+                <a14:m>
+                  <m:oMathPara xmlns:m="http://schemas.openxmlformats.org/officeDocument/2006/math">
+                    <m:oMathParaPr>
+                      <m:jc m:val="centerGroup"/>
+                    </m:oMathParaPr>
+                    <m:oMath xmlns:m="http://schemas.openxmlformats.org/officeDocument/2006/math">
+                      <m:r>
+                        <a:rPr lang="en-US" altLang="zh-CN" sz="1600" i="1" smtClean="0">
+                          <a:latin typeface="Cambria Math" panose="02040503050406030204" pitchFamily="18" charset="0"/>
+                        </a:rPr>
+                        <m:t>𝑥</m:t>
+                      </m:r>
+                      <m:r>
+                        <a:rPr lang="en-US" altLang="zh-CN" sz="1600" b="0" i="1" smtClean="0">
+                          <a:latin typeface="Cambria Math" panose="02040503050406030204" pitchFamily="18" charset="0"/>
+                        </a:rPr>
+                        <m:t>′′</m:t>
+                      </m:r>
+                    </m:oMath>
+                  </m:oMathPara>
+                </a14:m>
+                <a:endParaRPr lang="zh-CN" altLang="en-US" sz="1600" i="1" dirty="0"/>
+              </a:p>
+            </p:txBody>
+          </p:sp>
+        </mc:Choice>
+        <mc:Fallback>
+          <p:sp>
+            <p:nvSpPr>
+              <p:cNvPr id="44" name="文本框 43"/>
+              <p:cNvSpPr txBox="1">
+                <a:spLocks noRot="1" noChangeAspect="1" noMove="1" noResize="1" noEditPoints="1" noAdjustHandles="1" noChangeArrowheads="1" noChangeShapeType="1" noTextEdit="1"/>
+              </p:cNvSpPr>
+              <p:nvPr/>
+            </p:nvSpPr>
+            <p:spPr>
+              <a:xfrm>
+                <a:off x="2520430" y="1885091"/>
+                <a:ext cx="270097" cy="246221"/>
+              </a:xfrm>
+              <a:prstGeom prst="rect">
+                <a:avLst/>
+              </a:prstGeom>
+              <a:blipFill rotWithShape="0">
+                <a:blip r:embed="rId4"/>
+                <a:stretch>
+                  <a:fillRect l="-6667" t="-2439" r="-20000" b="-7317"/>
+                </a:stretch>
+              </a:blipFill>
+            </p:spPr>
+            <p:txBody>
+              <a:bodyPr/>
+              <a:lstStyle/>
+              <a:p>
+                <a:r>
+                  <a:rPr lang="zh-CN" altLang="en-US">
+                    <a:noFill/>
+                  </a:rPr>
+                  <a:t> </a:t>
+                </a:r>
+              </a:p>
+            </p:txBody>
+          </p:sp>
+        </mc:Fallback>
+      </mc:AlternateContent>
+    </p:spTree>
+    <p:extLst>
+      <p:ext uri="{BB962C8B-B14F-4D97-AF65-F5344CB8AC3E}">
+        <p14:creationId xmlns:p14="http://schemas.microsoft.com/office/powerpoint/2010/main" val="1201526491"/>
+      </p:ext>
+    </p:extLst>
+  </p:cSld>
+  <p:clrMapOvr>
+    <a:masterClrMapping/>
+  </p:clrMapOvr>
+  <p:timing>
+    <p:tnLst>
+      <p:par>
+        <p:cTn id="1" dur="indefinite" restart="never" nodeType="tmRoot"/>
+      </p:par>
+    </p:tnLst>
+  </p:timing>
+</p:sld>
+</file>
+
 <file path=ppt/theme/theme1.xml><?xml version="1.0" encoding="utf-8"?>
 <a:theme xmlns:a="http://schemas.openxmlformats.org/drawingml/2006/main" name="Office 主题">
   <a:themeElements>
